--- a/Yu Feng CRC-fungi-Re1 (JY)/Figure 4-Re (JY)-Re (YF).pptx
+++ b/Yu Feng CRC-fungi-Re1 (JY)/Figure 4-Re (JY)-Re (YF).pptx
@@ -255,7 +255,7 @@
           <a:p>
             <a:fld id="{EC74FADF-D0C6-45B9-9519-8E9831A40386}" type="datetimeFigureOut">
               <a:rPr lang="en-HK" smtClean="0"/>
-              <a:t>22/10/2021</a:t>
+              <a:t>26/10/2021</a:t>
             </a:fld>
             <a:endParaRPr lang="en-HK"/>
           </a:p>
@@ -425,7 +425,7 @@
           <a:p>
             <a:fld id="{EC74FADF-D0C6-45B9-9519-8E9831A40386}" type="datetimeFigureOut">
               <a:rPr lang="en-HK" smtClean="0"/>
-              <a:t>22/10/2021</a:t>
+              <a:t>26/10/2021</a:t>
             </a:fld>
             <a:endParaRPr lang="en-HK"/>
           </a:p>
@@ -605,7 +605,7 @@
           <a:p>
             <a:fld id="{EC74FADF-D0C6-45B9-9519-8E9831A40386}" type="datetimeFigureOut">
               <a:rPr lang="en-HK" smtClean="0"/>
-              <a:t>22/10/2021</a:t>
+              <a:t>26/10/2021</a:t>
             </a:fld>
             <a:endParaRPr lang="en-HK"/>
           </a:p>
@@ -775,7 +775,7 @@
           <a:p>
             <a:fld id="{EC74FADF-D0C6-45B9-9519-8E9831A40386}" type="datetimeFigureOut">
               <a:rPr lang="en-HK" smtClean="0"/>
-              <a:t>22/10/2021</a:t>
+              <a:t>26/10/2021</a:t>
             </a:fld>
             <a:endParaRPr lang="en-HK"/>
           </a:p>
@@ -1019,7 +1019,7 @@
           <a:p>
             <a:fld id="{EC74FADF-D0C6-45B9-9519-8E9831A40386}" type="datetimeFigureOut">
               <a:rPr lang="en-HK" smtClean="0"/>
-              <a:t>22/10/2021</a:t>
+              <a:t>26/10/2021</a:t>
             </a:fld>
             <a:endParaRPr lang="en-HK"/>
           </a:p>
@@ -1251,7 +1251,7 @@
           <a:p>
             <a:fld id="{EC74FADF-D0C6-45B9-9519-8E9831A40386}" type="datetimeFigureOut">
               <a:rPr lang="en-HK" smtClean="0"/>
-              <a:t>22/10/2021</a:t>
+              <a:t>26/10/2021</a:t>
             </a:fld>
             <a:endParaRPr lang="en-HK"/>
           </a:p>
@@ -1618,7 +1618,7 @@
           <a:p>
             <a:fld id="{EC74FADF-D0C6-45B9-9519-8E9831A40386}" type="datetimeFigureOut">
               <a:rPr lang="en-HK" smtClean="0"/>
-              <a:t>22/10/2021</a:t>
+              <a:t>26/10/2021</a:t>
             </a:fld>
             <a:endParaRPr lang="en-HK"/>
           </a:p>
@@ -1736,7 +1736,7 @@
           <a:p>
             <a:fld id="{EC74FADF-D0C6-45B9-9519-8E9831A40386}" type="datetimeFigureOut">
               <a:rPr lang="en-HK" smtClean="0"/>
-              <a:t>22/10/2021</a:t>
+              <a:t>26/10/2021</a:t>
             </a:fld>
             <a:endParaRPr lang="en-HK"/>
           </a:p>
@@ -1831,7 +1831,7 @@
           <a:p>
             <a:fld id="{EC74FADF-D0C6-45B9-9519-8E9831A40386}" type="datetimeFigureOut">
               <a:rPr lang="en-HK" smtClean="0"/>
-              <a:t>22/10/2021</a:t>
+              <a:t>26/10/2021</a:t>
             </a:fld>
             <a:endParaRPr lang="en-HK"/>
           </a:p>
@@ -2108,7 +2108,7 @@
           <a:p>
             <a:fld id="{EC74FADF-D0C6-45B9-9519-8E9831A40386}" type="datetimeFigureOut">
               <a:rPr lang="en-HK" smtClean="0"/>
-              <a:t>22/10/2021</a:t>
+              <a:t>26/10/2021</a:t>
             </a:fld>
             <a:endParaRPr lang="en-HK"/>
           </a:p>
@@ -2365,7 +2365,7 @@
           <a:p>
             <a:fld id="{EC74FADF-D0C6-45B9-9519-8E9831A40386}" type="datetimeFigureOut">
               <a:rPr lang="en-HK" smtClean="0"/>
-              <a:t>22/10/2021</a:t>
+              <a:t>26/10/2021</a:t>
             </a:fld>
             <a:endParaRPr lang="en-HK"/>
           </a:p>
@@ -2578,7 +2578,7 @@
           <a:p>
             <a:fld id="{EC74FADF-D0C6-45B9-9519-8E9831A40386}" type="datetimeFigureOut">
               <a:rPr lang="en-HK" smtClean="0"/>
-              <a:t>22/10/2021</a:t>
+              <a:t>26/10/2021</a:t>
             </a:fld>
             <a:endParaRPr lang="en-HK"/>
           </a:p>
@@ -2997,7 +2997,7 @@
         </p:nvSpPr>
         <p:spPr>
           <a:xfrm>
-            <a:off x="154813" y="67084"/>
+            <a:off x="371426" y="10273126"/>
             <a:ext cx="1848418" cy="586240"/>
           </a:xfrm>
           <a:prstGeom prst="rect">
@@ -3012,46 +3012,10 @@
           <a:lstStyle/>
           <a:p>
             <a:r>
-              <a:rPr lang="en-US" sz="3200" b="1"/>
+              <a:rPr lang="en-US" sz="3200" b="1" dirty="0"/>
               <a:t>Figure 4</a:t>
             </a:r>
             <a:endParaRPr lang="en-HK" sz="3200" b="1" dirty="0"/>
-          </a:p>
-        </p:txBody>
-      </p:sp>
-      <p:sp>
-        <p:nvSpPr>
-          <p:cNvPr id="298" name="TextBox 297">
-            <a:extLst>
-              <a:ext uri="{FF2B5EF4-FFF2-40B4-BE49-F238E27FC236}">
-                <a16:creationId xmlns:a16="http://schemas.microsoft.com/office/drawing/2014/main" id="{9B3C7C69-8715-4992-A858-FF6C2F9710FD}"/>
-              </a:ext>
-            </a:extLst>
-          </p:cNvPr>
-          <p:cNvSpPr txBox="1"/>
-          <p:nvPr/>
-        </p:nvSpPr>
-        <p:spPr>
-          <a:xfrm>
-            <a:off x="628448" y="653324"/>
-            <a:ext cx="412292" cy="646331"/>
-          </a:xfrm>
-          <a:prstGeom prst="rect">
-            <a:avLst/>
-          </a:prstGeom>
-          <a:noFill/>
-        </p:spPr>
-        <p:txBody>
-          <a:bodyPr wrap="none" rtlCol="0">
-            <a:spAutoFit/>
-          </a:bodyPr>
-          <a:lstStyle/>
-          <a:p>
-            <a:r>
-              <a:rPr lang="en-US" altLang="zh-CN" sz="3600" b="1" dirty="0"/>
-              <a:t>a</a:t>
-            </a:r>
-            <a:endParaRPr lang="zh-CN" altLang="en-US" sz="3600" b="1" dirty="0"/>
           </a:p>
         </p:txBody>
       </p:sp>

--- a/Yu Feng CRC-fungi-Re1 (JY)/Figure 4-Re (JY)-Re (YF).pptx
+++ b/Yu Feng CRC-fungi-Re1 (JY)/Figure 4-Re (JY)-Re (YF).pptx
@@ -255,7 +255,7 @@
           <a:p>
             <a:fld id="{EC74FADF-D0C6-45B9-9519-8E9831A40386}" type="datetimeFigureOut">
               <a:rPr lang="en-HK" smtClean="0"/>
-              <a:t>26/10/2021</a:t>
+              <a:t>2/11/2021</a:t>
             </a:fld>
             <a:endParaRPr lang="en-HK"/>
           </a:p>
@@ -425,7 +425,7 @@
           <a:p>
             <a:fld id="{EC74FADF-D0C6-45B9-9519-8E9831A40386}" type="datetimeFigureOut">
               <a:rPr lang="en-HK" smtClean="0"/>
-              <a:t>26/10/2021</a:t>
+              <a:t>2/11/2021</a:t>
             </a:fld>
             <a:endParaRPr lang="en-HK"/>
           </a:p>
@@ -605,7 +605,7 @@
           <a:p>
             <a:fld id="{EC74FADF-D0C6-45B9-9519-8E9831A40386}" type="datetimeFigureOut">
               <a:rPr lang="en-HK" smtClean="0"/>
-              <a:t>26/10/2021</a:t>
+              <a:t>2/11/2021</a:t>
             </a:fld>
             <a:endParaRPr lang="en-HK"/>
           </a:p>
@@ -775,7 +775,7 @@
           <a:p>
             <a:fld id="{EC74FADF-D0C6-45B9-9519-8E9831A40386}" type="datetimeFigureOut">
               <a:rPr lang="en-HK" smtClean="0"/>
-              <a:t>26/10/2021</a:t>
+              <a:t>2/11/2021</a:t>
             </a:fld>
             <a:endParaRPr lang="en-HK"/>
           </a:p>
@@ -1019,7 +1019,7 @@
           <a:p>
             <a:fld id="{EC74FADF-D0C6-45B9-9519-8E9831A40386}" type="datetimeFigureOut">
               <a:rPr lang="en-HK" smtClean="0"/>
-              <a:t>26/10/2021</a:t>
+              <a:t>2/11/2021</a:t>
             </a:fld>
             <a:endParaRPr lang="en-HK"/>
           </a:p>
@@ -1251,7 +1251,7 @@
           <a:p>
             <a:fld id="{EC74FADF-D0C6-45B9-9519-8E9831A40386}" type="datetimeFigureOut">
               <a:rPr lang="en-HK" smtClean="0"/>
-              <a:t>26/10/2021</a:t>
+              <a:t>2/11/2021</a:t>
             </a:fld>
             <a:endParaRPr lang="en-HK"/>
           </a:p>
@@ -1618,7 +1618,7 @@
           <a:p>
             <a:fld id="{EC74FADF-D0C6-45B9-9519-8E9831A40386}" type="datetimeFigureOut">
               <a:rPr lang="en-HK" smtClean="0"/>
-              <a:t>26/10/2021</a:t>
+              <a:t>2/11/2021</a:t>
             </a:fld>
             <a:endParaRPr lang="en-HK"/>
           </a:p>
@@ -1736,7 +1736,7 @@
           <a:p>
             <a:fld id="{EC74FADF-D0C6-45B9-9519-8E9831A40386}" type="datetimeFigureOut">
               <a:rPr lang="en-HK" smtClean="0"/>
-              <a:t>26/10/2021</a:t>
+              <a:t>2/11/2021</a:t>
             </a:fld>
             <a:endParaRPr lang="en-HK"/>
           </a:p>
@@ -1831,7 +1831,7 @@
           <a:p>
             <a:fld id="{EC74FADF-D0C6-45B9-9519-8E9831A40386}" type="datetimeFigureOut">
               <a:rPr lang="en-HK" smtClean="0"/>
-              <a:t>26/10/2021</a:t>
+              <a:t>2/11/2021</a:t>
             </a:fld>
             <a:endParaRPr lang="en-HK"/>
           </a:p>
@@ -2108,7 +2108,7 @@
           <a:p>
             <a:fld id="{EC74FADF-D0C6-45B9-9519-8E9831A40386}" type="datetimeFigureOut">
               <a:rPr lang="en-HK" smtClean="0"/>
-              <a:t>26/10/2021</a:t>
+              <a:t>2/11/2021</a:t>
             </a:fld>
             <a:endParaRPr lang="en-HK"/>
           </a:p>
@@ -2365,7 +2365,7 @@
           <a:p>
             <a:fld id="{EC74FADF-D0C6-45B9-9519-8E9831A40386}" type="datetimeFigureOut">
               <a:rPr lang="en-HK" smtClean="0"/>
-              <a:t>26/10/2021</a:t>
+              <a:t>2/11/2021</a:t>
             </a:fld>
             <a:endParaRPr lang="en-HK"/>
           </a:p>
@@ -2578,7 +2578,7 @@
           <a:p>
             <a:fld id="{EC74FADF-D0C6-45B9-9519-8E9831A40386}" type="datetimeFigureOut">
               <a:rPr lang="en-HK" smtClean="0"/>
-              <a:t>26/10/2021</a:t>
+              <a:t>2/11/2021</a:t>
             </a:fld>
             <a:endParaRPr lang="en-HK"/>
           </a:p>
@@ -2983,42 +2983,6 @@
           <a:chExt cx="0" cy="0"/>
         </a:xfrm>
       </p:grpSpPr>
-      <p:sp>
-        <p:nvSpPr>
-          <p:cNvPr id="284" name="TextBox 283">
-            <a:extLst>
-              <a:ext uri="{FF2B5EF4-FFF2-40B4-BE49-F238E27FC236}">
-                <a16:creationId xmlns:a16="http://schemas.microsoft.com/office/drawing/2014/main" id="{6AFF6ADC-F149-4445-A39D-EE518BCD2AAF}"/>
-              </a:ext>
-            </a:extLst>
-          </p:cNvPr>
-          <p:cNvSpPr txBox="1"/>
-          <p:nvPr/>
-        </p:nvSpPr>
-        <p:spPr>
-          <a:xfrm>
-            <a:off x="371426" y="10273126"/>
-            <a:ext cx="1848418" cy="586240"/>
-          </a:xfrm>
-          <a:prstGeom prst="rect">
-            <a:avLst/>
-          </a:prstGeom>
-          <a:noFill/>
-        </p:spPr>
-        <p:txBody>
-          <a:bodyPr wrap="square" rtlCol="0">
-            <a:spAutoFit/>
-          </a:bodyPr>
-          <a:lstStyle/>
-          <a:p>
-            <a:r>
-              <a:rPr lang="en-US" sz="3200" b="1" dirty="0"/>
-              <a:t>Figure 4</a:t>
-            </a:r>
-            <a:endParaRPr lang="en-HK" sz="3200" b="1" dirty="0"/>
-          </a:p>
-        </p:txBody>
-      </p:sp>
       <p:grpSp>
         <p:nvGrpSpPr>
           <p:cNvPr id="406" name="Group 405">
@@ -4596,6 +4560,42 @@
           </a:p>
         </p:txBody>
       </p:sp>
+      <p:sp>
+        <p:nvSpPr>
+          <p:cNvPr id="43" name="TextBox 42">
+            <a:extLst>
+              <a:ext uri="{FF2B5EF4-FFF2-40B4-BE49-F238E27FC236}">
+                <a16:creationId xmlns:a16="http://schemas.microsoft.com/office/drawing/2014/main" id="{CDB2B76F-C08C-4497-9D3C-1F321C5845C2}"/>
+              </a:ext>
+            </a:extLst>
+          </p:cNvPr>
+          <p:cNvSpPr txBox="1"/>
+          <p:nvPr/>
+        </p:nvSpPr>
+        <p:spPr>
+          <a:xfrm>
+            <a:off x="869073" y="629157"/>
+            <a:ext cx="2732339" cy="584775"/>
+          </a:xfrm>
+          <a:prstGeom prst="rect">
+            <a:avLst/>
+          </a:prstGeom>
+          <a:noFill/>
+        </p:spPr>
+        <p:txBody>
+          <a:bodyPr wrap="square" rtlCol="0">
+            <a:spAutoFit/>
+          </a:bodyPr>
+          <a:lstStyle/>
+          <a:p>
+            <a:r>
+              <a:rPr lang="en-US" sz="3200" b="1" dirty="0"/>
+              <a:t>Figure 4</a:t>
+            </a:r>
+            <a:endParaRPr lang="en-HK" sz="3200" b="1" dirty="0"/>
+          </a:p>
+        </p:txBody>
+      </p:sp>
     </p:spTree>
     <p:extLst>
       <p:ext uri="{BB962C8B-B14F-4D97-AF65-F5344CB8AC3E}">
